--- a/Modeling.pptx
+++ b/Modeling.pptx
@@ -28,6 +28,14 @@
     <p:sldId id="280" r:id="rId22"/>
     <p:sldId id="281" r:id="rId23"/>
     <p:sldId id="282" r:id="rId24"/>
+    <p:sldId id="283" r:id="rId25"/>
+    <p:sldId id="284" r:id="rId26"/>
+    <p:sldId id="285" r:id="rId27"/>
+    <p:sldId id="286" r:id="rId28"/>
+    <p:sldId id="287" r:id="rId29"/>
+    <p:sldId id="288" r:id="rId30"/>
+    <p:sldId id="289" r:id="rId31"/>
+    <p:sldId id="290" r:id="rId32"/>
   </p:sldIdLst>
   <p:sldSz cx="12192000" cy="6858000"/>
   <p:notesSz cx="6858000" cy="9144000"/>
@@ -3522,7 +3530,7 @@
           <a:p>
             <a:fld id="{7181F53B-E190-4F65-946F-61B5E0F82B23}" type="datetimeFigureOut">
               <a:rPr lang="en-IN" smtClean="0"/>
-              <a:t>23-10-2024</a:t>
+              <a:t>29-10-2024</a:t>
             </a:fld>
             <a:endParaRPr lang="en-IN"/>
           </a:p>
@@ -3722,7 +3730,7 @@
           <a:p>
             <a:fld id="{7181F53B-E190-4F65-946F-61B5E0F82B23}" type="datetimeFigureOut">
               <a:rPr lang="en-IN" smtClean="0"/>
-              <a:t>23-10-2024</a:t>
+              <a:t>29-10-2024</a:t>
             </a:fld>
             <a:endParaRPr lang="en-IN"/>
           </a:p>
@@ -3932,7 +3940,7 @@
           <a:p>
             <a:fld id="{7181F53B-E190-4F65-946F-61B5E0F82B23}" type="datetimeFigureOut">
               <a:rPr lang="en-IN" smtClean="0"/>
-              <a:t>23-10-2024</a:t>
+              <a:t>29-10-2024</a:t>
             </a:fld>
             <a:endParaRPr lang="en-IN"/>
           </a:p>
@@ -4132,7 +4140,7 @@
           <a:p>
             <a:fld id="{7181F53B-E190-4F65-946F-61B5E0F82B23}" type="datetimeFigureOut">
               <a:rPr lang="en-IN" smtClean="0"/>
-              <a:t>23-10-2024</a:t>
+              <a:t>29-10-2024</a:t>
             </a:fld>
             <a:endParaRPr lang="en-IN"/>
           </a:p>
@@ -4408,7 +4416,7 @@
           <a:p>
             <a:fld id="{7181F53B-E190-4F65-946F-61B5E0F82B23}" type="datetimeFigureOut">
               <a:rPr lang="en-IN" smtClean="0"/>
-              <a:t>23-10-2024</a:t>
+              <a:t>29-10-2024</a:t>
             </a:fld>
             <a:endParaRPr lang="en-IN"/>
           </a:p>
@@ -4676,7 +4684,7 @@
           <a:p>
             <a:fld id="{7181F53B-E190-4F65-946F-61B5E0F82B23}" type="datetimeFigureOut">
               <a:rPr lang="en-IN" smtClean="0"/>
-              <a:t>23-10-2024</a:t>
+              <a:t>29-10-2024</a:t>
             </a:fld>
             <a:endParaRPr lang="en-IN"/>
           </a:p>
@@ -5091,7 +5099,7 @@
           <a:p>
             <a:fld id="{7181F53B-E190-4F65-946F-61B5E0F82B23}" type="datetimeFigureOut">
               <a:rPr lang="en-IN" smtClean="0"/>
-              <a:t>23-10-2024</a:t>
+              <a:t>29-10-2024</a:t>
             </a:fld>
             <a:endParaRPr lang="en-IN"/>
           </a:p>
@@ -5233,7 +5241,7 @@
           <a:p>
             <a:fld id="{7181F53B-E190-4F65-946F-61B5E0F82B23}" type="datetimeFigureOut">
               <a:rPr lang="en-IN" smtClean="0"/>
-              <a:t>23-10-2024</a:t>
+              <a:t>29-10-2024</a:t>
             </a:fld>
             <a:endParaRPr lang="en-IN"/>
           </a:p>
@@ -5346,7 +5354,7 @@
           <a:p>
             <a:fld id="{7181F53B-E190-4F65-946F-61B5E0F82B23}" type="datetimeFigureOut">
               <a:rPr lang="en-IN" smtClean="0"/>
-              <a:t>23-10-2024</a:t>
+              <a:t>29-10-2024</a:t>
             </a:fld>
             <a:endParaRPr lang="en-IN"/>
           </a:p>
@@ -5659,7 +5667,7 @@
           <a:p>
             <a:fld id="{7181F53B-E190-4F65-946F-61B5E0F82B23}" type="datetimeFigureOut">
               <a:rPr lang="en-IN" smtClean="0"/>
-              <a:t>23-10-2024</a:t>
+              <a:t>29-10-2024</a:t>
             </a:fld>
             <a:endParaRPr lang="en-IN"/>
           </a:p>
@@ -5948,7 +5956,7 @@
           <a:p>
             <a:fld id="{7181F53B-E190-4F65-946F-61B5E0F82B23}" type="datetimeFigureOut">
               <a:rPr lang="en-IN" smtClean="0"/>
-              <a:t>23-10-2024</a:t>
+              <a:t>29-10-2024</a:t>
             </a:fld>
             <a:endParaRPr lang="en-IN"/>
           </a:p>
@@ -6191,7 +6199,7 @@
           <a:p>
             <a:fld id="{7181F53B-E190-4F65-946F-61B5E0F82B23}" type="datetimeFigureOut">
               <a:rPr lang="en-IN" smtClean="0"/>
-              <a:t>23-10-2024</a:t>
+              <a:t>29-10-2024</a:t>
             </a:fld>
             <a:endParaRPr lang="en-IN"/>
           </a:p>
@@ -19173,6 +19181,1083 @@
 </p:sld>
 </file>
 
+<file path=ppt/slides/slide24.xml><?xml version="1.0" encoding="utf-8"?>
+<p:sld xmlns:a="http://schemas.openxmlformats.org/drawingml/2006/main" xmlns:r="http://schemas.openxmlformats.org/officeDocument/2006/relationships" xmlns:p="http://schemas.openxmlformats.org/presentationml/2006/main">
+  <p:cSld>
+    <p:spTree>
+      <p:nvGrpSpPr>
+        <p:cNvPr id="1" name=""/>
+        <p:cNvGrpSpPr/>
+        <p:nvPr/>
+      </p:nvGrpSpPr>
+      <p:grpSpPr>
+        <a:xfrm>
+          <a:off x="0" y="0"/>
+          <a:ext cx="0" cy="0"/>
+          <a:chOff x="0" y="0"/>
+          <a:chExt cx="0" cy="0"/>
+        </a:xfrm>
+      </p:grpSpPr>
+      <p:sp>
+        <p:nvSpPr>
+          <p:cNvPr id="2" name="Title 1">
+            <a:extLst>
+              <a:ext uri="{FF2B5EF4-FFF2-40B4-BE49-F238E27FC236}">
+                <a16:creationId xmlns:a16="http://schemas.microsoft.com/office/drawing/2014/main" id="{62D00DA2-AB54-D89E-09E8-E654FF44E5CB}"/>
+              </a:ext>
+            </a:extLst>
+          </p:cNvPr>
+          <p:cNvSpPr>
+            <a:spLocks noGrp="1"/>
+          </p:cNvSpPr>
+          <p:nvPr>
+            <p:ph type="title"/>
+          </p:nvPr>
+        </p:nvSpPr>
+        <p:spPr>
+          <a:xfrm>
+            <a:off x="838200" y="365126"/>
+            <a:ext cx="10515600" cy="931112"/>
+          </a:xfrm>
+        </p:spPr>
+        <p:txBody>
+          <a:bodyPr/>
+          <a:lstStyle/>
+          <a:p>
+            <a:r>
+              <a:rPr lang="en-US" dirty="0"/>
+              <a:t>K Nearest Neighbor (KNN)</a:t>
+            </a:r>
+            <a:endParaRPr lang="en-IN" dirty="0"/>
+          </a:p>
+        </p:txBody>
+      </p:sp>
+      <p:sp>
+        <p:nvSpPr>
+          <p:cNvPr id="3" name="Content Placeholder 2">
+            <a:extLst>
+              <a:ext uri="{FF2B5EF4-FFF2-40B4-BE49-F238E27FC236}">
+                <a16:creationId xmlns:a16="http://schemas.microsoft.com/office/drawing/2014/main" id="{E2049C66-B904-4EBB-8DBD-9B564753AC02}"/>
+              </a:ext>
+            </a:extLst>
+          </p:cNvPr>
+          <p:cNvSpPr>
+            <a:spLocks noGrp="1"/>
+          </p:cNvSpPr>
+          <p:nvPr>
+            <p:ph idx="1"/>
+          </p:nvPr>
+        </p:nvSpPr>
+        <p:spPr>
+          <a:xfrm>
+            <a:off x="838200" y="1296238"/>
+            <a:ext cx="10515600" cy="4351338"/>
+          </a:xfrm>
+        </p:spPr>
+        <p:txBody>
+          <a:bodyPr>
+            <a:normAutofit/>
+          </a:bodyPr>
+          <a:lstStyle/>
+          <a:p>
+            <a:pPr algn="just"/>
+            <a:r>
+              <a:rPr lang="en-US" sz="2400" dirty="0"/>
+              <a:t>The K Nearest Neighbor (KNN) is an algorithm that can be used for both classification and regression (mostly used for classification).</a:t>
+            </a:r>
+          </a:p>
+          <a:p>
+            <a:pPr algn="just"/>
+            <a:r>
+              <a:rPr lang="en-US" sz="2400" dirty="0"/>
+              <a:t>It relies on the idea that similar data points tend to have similar labels or values.</a:t>
+            </a:r>
+          </a:p>
+          <a:p>
+            <a:pPr algn="just"/>
+            <a:r>
+              <a:rPr lang="en-US" sz="2400" dirty="0"/>
+              <a:t>Training phase: </a:t>
+            </a:r>
+            <a:r>
+              <a:rPr lang="en-US" sz="2400" dirty="0">
+                <a:solidFill>
+                  <a:srgbClr val="FF0000"/>
+                </a:solidFill>
+              </a:rPr>
+              <a:t>stores the entire dataset (lazy learner)</a:t>
+            </a:r>
+          </a:p>
+          <a:p>
+            <a:pPr algn="just"/>
+            <a:r>
+              <a:rPr lang="en-US" sz="2400" dirty="0"/>
+              <a:t>Testing phase: </a:t>
+            </a:r>
+            <a:r>
+              <a:rPr lang="en-US" sz="2400" dirty="0">
+                <a:solidFill>
+                  <a:srgbClr val="FF0000"/>
+                </a:solidFill>
+              </a:rPr>
+              <a:t>calculates distance between input data point to all the training examples using a distance metric (E.g. Euclidean dist., Manhattan dist., etc.)</a:t>
+            </a:r>
+          </a:p>
+          <a:p>
+            <a:pPr algn="just"/>
+            <a:r>
+              <a:rPr lang="en-IN" sz="2400" dirty="0"/>
+              <a:t>Parameter tuning: value of ‘k’ determined.</a:t>
+            </a:r>
+          </a:p>
+          <a:p>
+            <a:pPr algn="just"/>
+            <a:r>
+              <a:rPr lang="en-IN" sz="2400" dirty="0"/>
+              <a:t>Classify input value using the value of ‘k’.</a:t>
+            </a:r>
+          </a:p>
+        </p:txBody>
+      </p:sp>
+      <p:pic>
+        <p:nvPicPr>
+          <p:cNvPr id="5" name="Picture 4" descr="A cat and dog in a square&#10;&#10;Description automatically generated">
+            <a:extLst>
+              <a:ext uri="{FF2B5EF4-FFF2-40B4-BE49-F238E27FC236}">
+                <a16:creationId xmlns:a16="http://schemas.microsoft.com/office/drawing/2014/main" id="{97C008E9-F354-761D-439E-2293464B85B4}"/>
+              </a:ext>
+            </a:extLst>
+          </p:cNvPr>
+          <p:cNvPicPr>
+            <a:picLocks noChangeAspect="1"/>
+          </p:cNvPicPr>
+          <p:nvPr/>
+        </p:nvPicPr>
+        <p:blipFill>
+          <a:blip r:embed="rId2">
+            <a:extLst>
+              <a:ext uri="{28A0092B-C50C-407E-A947-70E740481C1C}">
+                <a14:useLocalDpi xmlns:a14="http://schemas.microsoft.com/office/drawing/2010/main" val="0"/>
+              </a:ext>
+            </a:extLst>
+          </a:blip>
+          <a:stretch>
+            <a:fillRect/>
+          </a:stretch>
+        </p:blipFill>
+        <p:spPr>
+          <a:xfrm>
+            <a:off x="6932274" y="4391748"/>
+            <a:ext cx="4617720" cy="2186940"/>
+          </a:xfrm>
+          <a:prstGeom prst="rect">
+            <a:avLst/>
+          </a:prstGeom>
+        </p:spPr>
+      </p:pic>
+    </p:spTree>
+    <p:extLst>
+      <p:ext uri="{BB962C8B-B14F-4D97-AF65-F5344CB8AC3E}">
+        <p14:creationId xmlns:p14="http://schemas.microsoft.com/office/powerpoint/2010/main" val="1494572335"/>
+      </p:ext>
+    </p:extLst>
+  </p:cSld>
+  <p:clrMapOvr>
+    <a:masterClrMapping/>
+  </p:clrMapOvr>
+</p:sld>
+</file>
+
+<file path=ppt/slides/slide25.xml><?xml version="1.0" encoding="utf-8"?>
+<p:sld xmlns:a="http://schemas.openxmlformats.org/drawingml/2006/main" xmlns:r="http://schemas.openxmlformats.org/officeDocument/2006/relationships" xmlns:p="http://schemas.openxmlformats.org/presentationml/2006/main">
+  <p:cSld>
+    <p:spTree>
+      <p:nvGrpSpPr>
+        <p:cNvPr id="1" name=""/>
+        <p:cNvGrpSpPr/>
+        <p:nvPr/>
+      </p:nvGrpSpPr>
+      <p:grpSpPr>
+        <a:xfrm>
+          <a:off x="0" y="0"/>
+          <a:ext cx="0" cy="0"/>
+          <a:chOff x="0" y="0"/>
+          <a:chExt cx="0" cy="0"/>
+        </a:xfrm>
+      </p:grpSpPr>
+      <p:sp>
+        <p:nvSpPr>
+          <p:cNvPr id="2" name="Title 1">
+            <a:extLst>
+              <a:ext uri="{FF2B5EF4-FFF2-40B4-BE49-F238E27FC236}">
+                <a16:creationId xmlns:a16="http://schemas.microsoft.com/office/drawing/2014/main" id="{676B46BB-0125-00BC-6D7E-AC66F6415053}"/>
+              </a:ext>
+            </a:extLst>
+          </p:cNvPr>
+          <p:cNvSpPr>
+            <a:spLocks noGrp="1"/>
+          </p:cNvSpPr>
+          <p:nvPr>
+            <p:ph type="title"/>
+          </p:nvPr>
+        </p:nvSpPr>
+        <p:spPr>
+          <a:xfrm>
+            <a:off x="556845" y="355077"/>
+            <a:ext cx="4457281" cy="619613"/>
+          </a:xfrm>
+        </p:spPr>
+        <p:txBody>
+          <a:bodyPr>
+            <a:normAutofit fontScale="90000"/>
+          </a:bodyPr>
+          <a:lstStyle/>
+          <a:p>
+            <a:r>
+              <a:rPr lang="en-US" dirty="0"/>
+              <a:t>KNN</a:t>
+            </a:r>
+            <a:endParaRPr lang="en-IN" dirty="0"/>
+          </a:p>
+        </p:txBody>
+      </p:sp>
+      <p:pic>
+        <p:nvPicPr>
+          <p:cNvPr id="5" name="Content Placeholder 4" descr="A screenshot of a cell phone&#10;&#10;Description automatically generated">
+            <a:extLst>
+              <a:ext uri="{FF2B5EF4-FFF2-40B4-BE49-F238E27FC236}">
+                <a16:creationId xmlns:a16="http://schemas.microsoft.com/office/drawing/2014/main" id="{571874F1-79B2-457F-1041-B4FD6501C936}"/>
+              </a:ext>
+            </a:extLst>
+          </p:cNvPr>
+          <p:cNvPicPr>
+            <a:picLocks noGrp="1" noChangeAspect="1"/>
+          </p:cNvPicPr>
+          <p:nvPr>
+            <p:ph idx="1"/>
+          </p:nvPr>
+        </p:nvPicPr>
+        <p:blipFill>
+          <a:blip r:embed="rId2">
+            <a:extLst>
+              <a:ext uri="{28A0092B-C50C-407E-A947-70E740481C1C}">
+                <a14:useLocalDpi xmlns:a14="http://schemas.microsoft.com/office/drawing/2010/main" val="0"/>
+              </a:ext>
+            </a:extLst>
+          </a:blip>
+          <a:stretch>
+            <a:fillRect/>
+          </a:stretch>
+        </p:blipFill>
+        <p:spPr>
+          <a:xfrm>
+            <a:off x="5879979" y="355077"/>
+            <a:ext cx="6037368" cy="6330444"/>
+          </a:xfrm>
+        </p:spPr>
+      </p:pic>
+      <p:sp>
+        <p:nvSpPr>
+          <p:cNvPr id="7" name="TextBox 6">
+            <a:extLst>
+              <a:ext uri="{FF2B5EF4-FFF2-40B4-BE49-F238E27FC236}">
+                <a16:creationId xmlns:a16="http://schemas.microsoft.com/office/drawing/2014/main" id="{A81E935D-1E3E-44A9-A1A3-971BB5F69EBF}"/>
+              </a:ext>
+            </a:extLst>
+          </p:cNvPr>
+          <p:cNvSpPr txBox="1"/>
+          <p:nvPr/>
+        </p:nvSpPr>
+        <p:spPr>
+          <a:xfrm>
+            <a:off x="556845" y="1155561"/>
+            <a:ext cx="5323134" cy="4893647"/>
+          </a:xfrm>
+          <a:prstGeom prst="rect">
+            <a:avLst/>
+          </a:prstGeom>
+          <a:noFill/>
+        </p:spPr>
+        <p:txBody>
+          <a:bodyPr wrap="square" rtlCol="0">
+            <a:spAutoFit/>
+          </a:bodyPr>
+          <a:lstStyle/>
+          <a:p>
+            <a:r>
+              <a:rPr lang="en-US" sz="2400" b="1" dirty="0"/>
+              <a:t>Step-1: </a:t>
+            </a:r>
+            <a:r>
+              <a:rPr lang="en-US" sz="2400" dirty="0"/>
+              <a:t>Select the K number of the neighbors</a:t>
+            </a:r>
+          </a:p>
+          <a:p>
+            <a:r>
+              <a:rPr lang="en-US" sz="2400" b="1" dirty="0"/>
+              <a:t>Step-2: </a:t>
+            </a:r>
+            <a:r>
+              <a:rPr lang="en-US" sz="2400" dirty="0"/>
+              <a:t>Calculate the Euclidean distance of K number of neighbors</a:t>
+            </a:r>
+          </a:p>
+          <a:p>
+            <a:r>
+              <a:rPr lang="en-US" sz="2400" b="1" dirty="0"/>
+              <a:t>Step-3: </a:t>
+            </a:r>
+            <a:r>
+              <a:rPr lang="en-US" sz="2400" dirty="0"/>
+              <a:t>Take the K nearest neighbors as per the calculated Euclidean distance.</a:t>
+            </a:r>
+          </a:p>
+          <a:p>
+            <a:r>
+              <a:rPr lang="en-US" sz="2400" b="1" dirty="0"/>
+              <a:t>Step-4: </a:t>
+            </a:r>
+            <a:r>
+              <a:rPr lang="en-US" sz="2400" dirty="0"/>
+              <a:t>Among these k neighbors, count the number of the data points in each category.</a:t>
+            </a:r>
+          </a:p>
+          <a:p>
+            <a:r>
+              <a:rPr lang="en-US" sz="2400" b="1" dirty="0"/>
+              <a:t>Step-5: </a:t>
+            </a:r>
+            <a:r>
+              <a:rPr lang="en-US" sz="2400" dirty="0"/>
+              <a:t>Assign the new data points to that category for which the number of the neighbor is maximum.</a:t>
+            </a:r>
+            <a:endParaRPr lang="en-IN" sz="2400" dirty="0"/>
+          </a:p>
+        </p:txBody>
+      </p:sp>
+    </p:spTree>
+    <p:extLst>
+      <p:ext uri="{BB962C8B-B14F-4D97-AF65-F5344CB8AC3E}">
+        <p14:creationId xmlns:p14="http://schemas.microsoft.com/office/powerpoint/2010/main" val="1369668757"/>
+      </p:ext>
+    </p:extLst>
+  </p:cSld>
+  <p:clrMapOvr>
+    <a:masterClrMapping/>
+  </p:clrMapOvr>
+</p:sld>
+</file>
+
+<file path=ppt/slides/slide26.xml><?xml version="1.0" encoding="utf-8"?>
+<p:sld xmlns:a="http://schemas.openxmlformats.org/drawingml/2006/main" xmlns:r="http://schemas.openxmlformats.org/officeDocument/2006/relationships" xmlns:p="http://schemas.openxmlformats.org/presentationml/2006/main">
+  <p:cSld>
+    <p:spTree>
+      <p:nvGrpSpPr>
+        <p:cNvPr id="1" name=""/>
+        <p:cNvGrpSpPr/>
+        <p:nvPr/>
+      </p:nvGrpSpPr>
+      <p:grpSpPr>
+        <a:xfrm>
+          <a:off x="0" y="0"/>
+          <a:ext cx="0" cy="0"/>
+          <a:chOff x="0" y="0"/>
+          <a:chExt cx="0" cy="0"/>
+        </a:xfrm>
+      </p:grpSpPr>
+      <p:sp>
+        <p:nvSpPr>
+          <p:cNvPr id="2" name="Title 1">
+            <a:extLst>
+              <a:ext uri="{FF2B5EF4-FFF2-40B4-BE49-F238E27FC236}">
+                <a16:creationId xmlns:a16="http://schemas.microsoft.com/office/drawing/2014/main" id="{BB60B683-DD9A-657B-2D52-119A1BC1B950}"/>
+              </a:ext>
+            </a:extLst>
+          </p:cNvPr>
+          <p:cNvSpPr>
+            <a:spLocks noGrp="1"/>
+          </p:cNvSpPr>
+          <p:nvPr>
+            <p:ph type="title"/>
+          </p:nvPr>
+        </p:nvSpPr>
+        <p:spPr>
+          <a:xfrm>
+            <a:off x="838200" y="365125"/>
+            <a:ext cx="10515600" cy="951209"/>
+          </a:xfrm>
+        </p:spPr>
+        <p:txBody>
+          <a:bodyPr>
+            <a:normAutofit/>
+          </a:bodyPr>
+          <a:lstStyle/>
+          <a:p>
+            <a:r>
+              <a:rPr lang="en-US" sz="4000" dirty="0"/>
+              <a:t>KNN - Example</a:t>
+            </a:r>
+            <a:endParaRPr lang="en-IN" sz="4000" dirty="0"/>
+          </a:p>
+        </p:txBody>
+      </p:sp>
+      <p:sp>
+        <p:nvSpPr>
+          <p:cNvPr id="3" name="Content Placeholder 2">
+            <a:extLst>
+              <a:ext uri="{FF2B5EF4-FFF2-40B4-BE49-F238E27FC236}">
+                <a16:creationId xmlns:a16="http://schemas.microsoft.com/office/drawing/2014/main" id="{3A543F52-6E03-F4F7-DC30-391180C45291}"/>
+              </a:ext>
+            </a:extLst>
+          </p:cNvPr>
+          <p:cNvSpPr>
+            <a:spLocks noGrp="1"/>
+          </p:cNvSpPr>
+          <p:nvPr>
+            <p:ph idx="1"/>
+          </p:nvPr>
+        </p:nvSpPr>
+        <p:spPr>
+          <a:xfrm>
+            <a:off x="838200" y="1416818"/>
+            <a:ext cx="6510829" cy="4760145"/>
+          </a:xfrm>
+        </p:spPr>
+        <p:txBody>
+          <a:bodyPr/>
+          <a:lstStyle/>
+          <a:p>
+            <a:r>
+              <a:rPr lang="en-US" dirty="0"/>
+              <a:t>There are two categories A and B, and we have a new data point to classify.</a:t>
+            </a:r>
+          </a:p>
+          <a:p>
+            <a:r>
+              <a:rPr lang="en-US" sz="2800" dirty="0"/>
+              <a:t>Select the K number of the neighbors. Here the chose value of K is 5.</a:t>
+            </a:r>
+          </a:p>
+          <a:p>
+            <a:pPr marL="0" indent="0">
+              <a:buNone/>
+            </a:pPr>
+            <a:endParaRPr lang="en-US" sz="2800" dirty="0"/>
+          </a:p>
+        </p:txBody>
+      </p:sp>
+      <p:pic>
+        <p:nvPicPr>
+          <p:cNvPr id="5" name="Picture 4" descr="A diagram of a diagram of a new data point&#10;&#10;Description automatically generated">
+            <a:extLst>
+              <a:ext uri="{FF2B5EF4-FFF2-40B4-BE49-F238E27FC236}">
+                <a16:creationId xmlns:a16="http://schemas.microsoft.com/office/drawing/2014/main" id="{BEE62370-5378-FD54-E013-E53A8080BBFB}"/>
+              </a:ext>
+            </a:extLst>
+          </p:cNvPr>
+          <p:cNvPicPr>
+            <a:picLocks noChangeAspect="1"/>
+          </p:cNvPicPr>
+          <p:nvPr/>
+        </p:nvPicPr>
+        <p:blipFill>
+          <a:blip r:embed="rId2">
+            <a:extLst>
+              <a:ext uri="{28A0092B-C50C-407E-A947-70E740481C1C}">
+                <a14:useLocalDpi xmlns:a14="http://schemas.microsoft.com/office/drawing/2010/main" val="0"/>
+              </a:ext>
+            </a:extLst>
+          </a:blip>
+          <a:stretch>
+            <a:fillRect/>
+          </a:stretch>
+        </p:blipFill>
+        <p:spPr>
+          <a:xfrm>
+            <a:off x="7349029" y="1511387"/>
+            <a:ext cx="4577527" cy="3705236"/>
+          </a:xfrm>
+          <a:prstGeom prst="rect">
+            <a:avLst/>
+          </a:prstGeom>
+        </p:spPr>
+      </p:pic>
+    </p:spTree>
+    <p:extLst>
+      <p:ext uri="{BB962C8B-B14F-4D97-AF65-F5344CB8AC3E}">
+        <p14:creationId xmlns:p14="http://schemas.microsoft.com/office/powerpoint/2010/main" val="4202993538"/>
+      </p:ext>
+    </p:extLst>
+  </p:cSld>
+  <p:clrMapOvr>
+    <a:masterClrMapping/>
+  </p:clrMapOvr>
+</p:sld>
+</file>
+
+<file path=ppt/slides/slide27.xml><?xml version="1.0" encoding="utf-8"?>
+<p:sld xmlns:a="http://schemas.openxmlformats.org/drawingml/2006/main" xmlns:r="http://schemas.openxmlformats.org/officeDocument/2006/relationships" xmlns:p="http://schemas.openxmlformats.org/presentationml/2006/main">
+  <p:cSld>
+    <p:spTree>
+      <p:nvGrpSpPr>
+        <p:cNvPr id="1" name="">
+          <a:extLst>
+            <a:ext uri="{FF2B5EF4-FFF2-40B4-BE49-F238E27FC236}">
+              <a16:creationId xmlns:a16="http://schemas.microsoft.com/office/drawing/2014/main" id="{5D338A01-AD2E-8356-C8C2-92FAD1FB3B98}"/>
+            </a:ext>
+          </a:extLst>
+        </p:cNvPr>
+        <p:cNvGrpSpPr/>
+        <p:nvPr/>
+      </p:nvGrpSpPr>
+      <p:grpSpPr>
+        <a:xfrm>
+          <a:off x="0" y="0"/>
+          <a:ext cx="0" cy="0"/>
+          <a:chOff x="0" y="0"/>
+          <a:chExt cx="0" cy="0"/>
+        </a:xfrm>
+      </p:grpSpPr>
+      <p:sp>
+        <p:nvSpPr>
+          <p:cNvPr id="2" name="Title 1">
+            <a:extLst>
+              <a:ext uri="{FF2B5EF4-FFF2-40B4-BE49-F238E27FC236}">
+                <a16:creationId xmlns:a16="http://schemas.microsoft.com/office/drawing/2014/main" id="{0CD1E013-EF61-31BA-3C47-95D46068F1B8}"/>
+              </a:ext>
+            </a:extLst>
+          </p:cNvPr>
+          <p:cNvSpPr>
+            <a:spLocks noGrp="1"/>
+          </p:cNvSpPr>
+          <p:nvPr>
+            <p:ph type="title"/>
+          </p:nvPr>
+        </p:nvSpPr>
+        <p:spPr>
+          <a:xfrm>
+            <a:off x="838200" y="365125"/>
+            <a:ext cx="10515600" cy="951209"/>
+          </a:xfrm>
+        </p:spPr>
+        <p:txBody>
+          <a:bodyPr>
+            <a:normAutofit/>
+          </a:bodyPr>
+          <a:lstStyle/>
+          <a:p>
+            <a:r>
+              <a:rPr lang="en-US" sz="4000" dirty="0"/>
+              <a:t>KNN - Example</a:t>
+            </a:r>
+            <a:endParaRPr lang="en-IN" sz="4000" dirty="0"/>
+          </a:p>
+        </p:txBody>
+      </p:sp>
+      <p:sp>
+        <p:nvSpPr>
+          <p:cNvPr id="3" name="Content Placeholder 2">
+            <a:extLst>
+              <a:ext uri="{FF2B5EF4-FFF2-40B4-BE49-F238E27FC236}">
+                <a16:creationId xmlns:a16="http://schemas.microsoft.com/office/drawing/2014/main" id="{9B51176B-31C6-2AAC-C6B3-591670102802}"/>
+              </a:ext>
+            </a:extLst>
+          </p:cNvPr>
+          <p:cNvSpPr>
+            <a:spLocks noGrp="1"/>
+          </p:cNvSpPr>
+          <p:nvPr>
+            <p:ph idx="1"/>
+          </p:nvPr>
+        </p:nvSpPr>
+        <p:spPr>
+          <a:xfrm>
+            <a:off x="838200" y="1416818"/>
+            <a:ext cx="6510829" cy="4760145"/>
+          </a:xfrm>
+        </p:spPr>
+        <p:txBody>
+          <a:bodyPr/>
+          <a:lstStyle/>
+          <a:p>
+            <a:r>
+              <a:rPr lang="en-US" sz="2800" dirty="0"/>
+              <a:t>Calculate the Euclidean distance of K number of neighbors.</a:t>
+            </a:r>
+          </a:p>
+          <a:p>
+            <a:pPr marL="0" indent="0">
+              <a:buNone/>
+            </a:pPr>
+            <a:endParaRPr lang="en-US" sz="2800" dirty="0"/>
+          </a:p>
+        </p:txBody>
+      </p:sp>
+      <p:pic>
+        <p:nvPicPr>
+          <p:cNvPr id="5" name="Picture 4">
+            <a:extLst>
+              <a:ext uri="{FF2B5EF4-FFF2-40B4-BE49-F238E27FC236}">
+                <a16:creationId xmlns:a16="http://schemas.microsoft.com/office/drawing/2014/main" id="{7E5984EE-A79A-C9DF-A540-78F06D93DAF5}"/>
+              </a:ext>
+            </a:extLst>
+          </p:cNvPr>
+          <p:cNvPicPr>
+            <a:picLocks noChangeAspect="1"/>
+          </p:cNvPicPr>
+          <p:nvPr/>
+        </p:nvPicPr>
+        <p:blipFill>
+          <a:blip r:embed="rId2">
+            <a:extLst>
+              <a:ext uri="{28A0092B-C50C-407E-A947-70E740481C1C}">
+                <a14:useLocalDpi xmlns:a14="http://schemas.microsoft.com/office/drawing/2010/main" val="0"/>
+              </a:ext>
+            </a:extLst>
+          </a:blip>
+          <a:srcRect/>
+          <a:stretch/>
+        </p:blipFill>
+        <p:spPr>
+          <a:xfrm>
+            <a:off x="7361373" y="1511387"/>
+            <a:ext cx="4552839" cy="3705236"/>
+          </a:xfrm>
+          <a:prstGeom prst="rect">
+            <a:avLst/>
+          </a:prstGeom>
+        </p:spPr>
+      </p:pic>
+      <p:pic>
+        <p:nvPicPr>
+          <p:cNvPr id="4" name="Picture 3">
+            <a:extLst>
+              <a:ext uri="{FF2B5EF4-FFF2-40B4-BE49-F238E27FC236}">
+                <a16:creationId xmlns:a16="http://schemas.microsoft.com/office/drawing/2014/main" id="{BED6565A-CC28-98AE-6145-51EF487D3150}"/>
+              </a:ext>
+            </a:extLst>
+          </p:cNvPr>
+          <p:cNvPicPr>
+            <a:picLocks noChangeAspect="1"/>
+          </p:cNvPicPr>
+          <p:nvPr/>
+        </p:nvPicPr>
+        <p:blipFill>
+          <a:blip r:embed="rId2">
+            <a:extLst>
+              <a:ext uri="{28A0092B-C50C-407E-A947-70E740481C1C}">
+                <a14:useLocalDpi xmlns:a14="http://schemas.microsoft.com/office/drawing/2010/main" val="0"/>
+              </a:ext>
+            </a:extLst>
+          </a:blip>
+          <a:srcRect l="2688" t="87600"/>
+          <a:stretch/>
+        </p:blipFill>
+        <p:spPr>
+          <a:xfrm>
+            <a:off x="838200" y="2680717"/>
+            <a:ext cx="6588946" cy="683288"/>
+          </a:xfrm>
+          <a:prstGeom prst="rect">
+            <a:avLst/>
+          </a:prstGeom>
+        </p:spPr>
+      </p:pic>
+    </p:spTree>
+    <p:extLst>
+      <p:ext uri="{BB962C8B-B14F-4D97-AF65-F5344CB8AC3E}">
+        <p14:creationId xmlns:p14="http://schemas.microsoft.com/office/powerpoint/2010/main" val="882064473"/>
+      </p:ext>
+    </p:extLst>
+  </p:cSld>
+  <p:clrMapOvr>
+    <a:masterClrMapping/>
+  </p:clrMapOvr>
+</p:sld>
+</file>
+
+<file path=ppt/slides/slide28.xml><?xml version="1.0" encoding="utf-8"?>
+<p:sld xmlns:a="http://schemas.openxmlformats.org/drawingml/2006/main" xmlns:r="http://schemas.openxmlformats.org/officeDocument/2006/relationships" xmlns:p="http://schemas.openxmlformats.org/presentationml/2006/main">
+  <p:cSld>
+    <p:spTree>
+      <p:nvGrpSpPr>
+        <p:cNvPr id="1" name="">
+          <a:extLst>
+            <a:ext uri="{FF2B5EF4-FFF2-40B4-BE49-F238E27FC236}">
+              <a16:creationId xmlns:a16="http://schemas.microsoft.com/office/drawing/2014/main" id="{1A4B36DA-BCDB-2A80-0618-2315E4F8C091}"/>
+            </a:ext>
+          </a:extLst>
+        </p:cNvPr>
+        <p:cNvGrpSpPr/>
+        <p:nvPr/>
+      </p:nvGrpSpPr>
+      <p:grpSpPr>
+        <a:xfrm>
+          <a:off x="0" y="0"/>
+          <a:ext cx="0" cy="0"/>
+          <a:chOff x="0" y="0"/>
+          <a:chExt cx="0" cy="0"/>
+        </a:xfrm>
+      </p:grpSpPr>
+      <p:sp>
+        <p:nvSpPr>
+          <p:cNvPr id="2" name="Title 1">
+            <a:extLst>
+              <a:ext uri="{FF2B5EF4-FFF2-40B4-BE49-F238E27FC236}">
+                <a16:creationId xmlns:a16="http://schemas.microsoft.com/office/drawing/2014/main" id="{02F76F1C-1939-B985-ABCB-709AFADB18BA}"/>
+              </a:ext>
+            </a:extLst>
+          </p:cNvPr>
+          <p:cNvSpPr>
+            <a:spLocks noGrp="1"/>
+          </p:cNvSpPr>
+          <p:nvPr>
+            <p:ph type="title"/>
+          </p:nvPr>
+        </p:nvSpPr>
+        <p:spPr>
+          <a:xfrm>
+            <a:off x="838200" y="365125"/>
+            <a:ext cx="10515600" cy="951209"/>
+          </a:xfrm>
+        </p:spPr>
+        <p:txBody>
+          <a:bodyPr>
+            <a:normAutofit/>
+          </a:bodyPr>
+          <a:lstStyle/>
+          <a:p>
+            <a:r>
+              <a:rPr lang="en-US" sz="4000" dirty="0"/>
+              <a:t>KNN - Example</a:t>
+            </a:r>
+            <a:endParaRPr lang="en-IN" sz="4000" dirty="0"/>
+          </a:p>
+        </p:txBody>
+      </p:sp>
+      <p:sp>
+        <p:nvSpPr>
+          <p:cNvPr id="3" name="Content Placeholder 2">
+            <a:extLst>
+              <a:ext uri="{FF2B5EF4-FFF2-40B4-BE49-F238E27FC236}">
+                <a16:creationId xmlns:a16="http://schemas.microsoft.com/office/drawing/2014/main" id="{F1D9199B-CBD0-0060-A851-6BCF1A1BB69B}"/>
+              </a:ext>
+            </a:extLst>
+          </p:cNvPr>
+          <p:cNvSpPr>
+            <a:spLocks noGrp="1"/>
+          </p:cNvSpPr>
+          <p:nvPr>
+            <p:ph idx="1"/>
+          </p:nvPr>
+        </p:nvSpPr>
+        <p:spPr>
+          <a:xfrm>
+            <a:off x="838200" y="1416818"/>
+            <a:ext cx="6115259" cy="4760145"/>
+          </a:xfrm>
+        </p:spPr>
+        <p:txBody>
+          <a:bodyPr/>
+          <a:lstStyle/>
+          <a:p>
+            <a:r>
+              <a:rPr lang="en-US" sz="2800" dirty="0"/>
+              <a:t>Take the K nearest neighbors as per the calculated Euclidean distance.</a:t>
+            </a:r>
+          </a:p>
+          <a:p>
+            <a:pPr lvl="1"/>
+            <a:r>
+              <a:rPr lang="en-US" i="1" dirty="0">
+                <a:solidFill>
+                  <a:schemeClr val="tx2">
+                    <a:lumMod val="90000"/>
+                    <a:lumOff val="10000"/>
+                  </a:schemeClr>
+                </a:solidFill>
+              </a:rPr>
+              <a:t>Based on the Euclidean distance</a:t>
+            </a:r>
+          </a:p>
+          <a:p>
+            <a:pPr lvl="1"/>
+            <a:r>
+              <a:rPr lang="en-US" i="1" dirty="0">
+                <a:solidFill>
+                  <a:schemeClr val="tx2">
+                    <a:lumMod val="90000"/>
+                    <a:lumOff val="10000"/>
+                  </a:schemeClr>
+                </a:solidFill>
+              </a:rPr>
+              <a:t>Nearest neighbors in category A = 3 </a:t>
+            </a:r>
+          </a:p>
+          <a:p>
+            <a:pPr lvl="1"/>
+            <a:r>
+              <a:rPr lang="en-US" i="1" dirty="0">
+                <a:solidFill>
+                  <a:schemeClr val="tx2">
+                    <a:lumMod val="90000"/>
+                    <a:lumOff val="10000"/>
+                  </a:schemeClr>
+                </a:solidFill>
+              </a:rPr>
+              <a:t>Nearest neighbors in category B = 2</a:t>
+            </a:r>
+          </a:p>
+          <a:p>
+            <a:r>
+              <a:rPr lang="en-US" sz="2800" dirty="0"/>
+              <a:t>Assign the new data points to that category for which the number of the neighbor is maximum.</a:t>
+            </a:r>
+          </a:p>
+          <a:p>
+            <a:pPr lvl="1" algn="just"/>
+            <a:r>
+              <a:rPr lang="en-US" i="1" dirty="0">
+                <a:solidFill>
+                  <a:schemeClr val="tx2">
+                    <a:lumMod val="90000"/>
+                    <a:lumOff val="10000"/>
+                  </a:schemeClr>
+                </a:solidFill>
+              </a:rPr>
+              <a:t>The new data point is assigned to category A</a:t>
+            </a:r>
+          </a:p>
+          <a:p>
+            <a:endParaRPr lang="en-US" sz="2800" dirty="0"/>
+          </a:p>
+          <a:p>
+            <a:pPr marL="0" indent="0">
+              <a:buNone/>
+            </a:pPr>
+            <a:endParaRPr lang="en-US" sz="2800" dirty="0"/>
+          </a:p>
+          <a:p>
+            <a:pPr marL="0" indent="0">
+              <a:buNone/>
+            </a:pPr>
+            <a:endParaRPr lang="en-US" sz="2800" dirty="0"/>
+          </a:p>
+        </p:txBody>
+      </p:sp>
+      <p:pic>
+        <p:nvPicPr>
+          <p:cNvPr id="5" name="Picture 4">
+            <a:extLst>
+              <a:ext uri="{FF2B5EF4-FFF2-40B4-BE49-F238E27FC236}">
+                <a16:creationId xmlns:a16="http://schemas.microsoft.com/office/drawing/2014/main" id="{7909E94A-CBAB-40E1-84AD-C80386FBDC57}"/>
+              </a:ext>
+            </a:extLst>
+          </p:cNvPr>
+          <p:cNvPicPr>
+            <a:picLocks noChangeAspect="1"/>
+          </p:cNvPicPr>
+          <p:nvPr/>
+        </p:nvPicPr>
+        <p:blipFill>
+          <a:blip r:embed="rId2">
+            <a:extLst>
+              <a:ext uri="{28A0092B-C50C-407E-A947-70E740481C1C}">
+                <a14:useLocalDpi xmlns:a14="http://schemas.microsoft.com/office/drawing/2010/main" val="0"/>
+              </a:ext>
+            </a:extLst>
+          </a:blip>
+          <a:srcRect/>
+          <a:stretch/>
+        </p:blipFill>
+        <p:spPr>
+          <a:xfrm>
+            <a:off x="6953459" y="1254213"/>
+            <a:ext cx="4960753" cy="3898977"/>
+          </a:xfrm>
+          <a:prstGeom prst="rect">
+            <a:avLst/>
+          </a:prstGeom>
+        </p:spPr>
+      </p:pic>
+      <p:sp>
+        <p:nvSpPr>
+          <p:cNvPr id="4" name="TextBox 3">
+            <a:extLst>
+              <a:ext uri="{FF2B5EF4-FFF2-40B4-BE49-F238E27FC236}">
+                <a16:creationId xmlns:a16="http://schemas.microsoft.com/office/drawing/2014/main" id="{63C4AF28-FFA8-8394-8303-2AA502BE7E82}"/>
+              </a:ext>
+            </a:extLst>
+          </p:cNvPr>
+          <p:cNvSpPr txBox="1"/>
+          <p:nvPr/>
+        </p:nvSpPr>
+        <p:spPr>
+          <a:xfrm>
+            <a:off x="2150346" y="5992297"/>
+            <a:ext cx="6591719" cy="369332"/>
+          </a:xfrm>
+          <a:prstGeom prst="rect">
+            <a:avLst/>
+          </a:prstGeom>
+          <a:noFill/>
+        </p:spPr>
+        <p:txBody>
+          <a:bodyPr wrap="square" rtlCol="0">
+            <a:spAutoFit/>
+          </a:bodyPr>
+          <a:lstStyle/>
+          <a:p>
+            <a:r>
+              <a:rPr lang="en-IN" dirty="0"/>
+              <a:t>https://medium.com/swlh/k-nearest-neighbor-ca2593d7a3c4</a:t>
+            </a:r>
+          </a:p>
+        </p:txBody>
+      </p:sp>
+    </p:spTree>
+    <p:extLst>
+      <p:ext uri="{BB962C8B-B14F-4D97-AF65-F5344CB8AC3E}">
+        <p14:creationId xmlns:p14="http://schemas.microsoft.com/office/powerpoint/2010/main" val="2330324159"/>
+      </p:ext>
+    </p:extLst>
+  </p:cSld>
+  <p:clrMapOvr>
+    <a:masterClrMapping/>
+  </p:clrMapOvr>
+</p:sld>
+</file>
+
+<file path=ppt/slides/slide29.xml><?xml version="1.0" encoding="utf-8"?>
+<p:sld xmlns:a="http://schemas.openxmlformats.org/drawingml/2006/main" xmlns:r="http://schemas.openxmlformats.org/officeDocument/2006/relationships" xmlns:p="http://schemas.openxmlformats.org/presentationml/2006/main">
+  <p:cSld>
+    <p:spTree>
+      <p:nvGrpSpPr>
+        <p:cNvPr id="1" name=""/>
+        <p:cNvGrpSpPr/>
+        <p:nvPr/>
+      </p:nvGrpSpPr>
+      <p:grpSpPr>
+        <a:xfrm>
+          <a:off x="0" y="0"/>
+          <a:ext cx="0" cy="0"/>
+          <a:chOff x="0" y="0"/>
+          <a:chExt cx="0" cy="0"/>
+        </a:xfrm>
+      </p:grpSpPr>
+      <p:sp>
+        <p:nvSpPr>
+          <p:cNvPr id="2" name="Title 1">
+            <a:extLst>
+              <a:ext uri="{FF2B5EF4-FFF2-40B4-BE49-F238E27FC236}">
+                <a16:creationId xmlns:a16="http://schemas.microsoft.com/office/drawing/2014/main" id="{2949DF23-A9F5-E695-D197-EF236AED06DB}"/>
+              </a:ext>
+            </a:extLst>
+          </p:cNvPr>
+          <p:cNvSpPr>
+            <a:spLocks noGrp="1"/>
+          </p:cNvSpPr>
+          <p:nvPr>
+            <p:ph type="title"/>
+          </p:nvPr>
+        </p:nvSpPr>
+        <p:spPr/>
+        <p:txBody>
+          <a:bodyPr/>
+          <a:lstStyle/>
+          <a:p>
+            <a:r>
+              <a:rPr lang="en-US" dirty="0"/>
+              <a:t>Determining value of ‘K’</a:t>
+            </a:r>
+            <a:endParaRPr lang="en-IN" dirty="0"/>
+          </a:p>
+        </p:txBody>
+      </p:sp>
+      <p:sp>
+        <p:nvSpPr>
+          <p:cNvPr id="3" name="Content Placeholder 2">
+            <a:extLst>
+              <a:ext uri="{FF2B5EF4-FFF2-40B4-BE49-F238E27FC236}">
+                <a16:creationId xmlns:a16="http://schemas.microsoft.com/office/drawing/2014/main" id="{063081E9-3B43-4BB9-BF51-26EA29CCC3B3}"/>
+              </a:ext>
+            </a:extLst>
+          </p:cNvPr>
+          <p:cNvSpPr>
+            <a:spLocks noGrp="1"/>
+          </p:cNvSpPr>
+          <p:nvPr>
+            <p:ph idx="1"/>
+          </p:nvPr>
+        </p:nvSpPr>
+        <p:spPr/>
+        <p:txBody>
+          <a:bodyPr>
+            <a:normAutofit/>
+          </a:bodyPr>
+          <a:lstStyle/>
+          <a:p>
+            <a:pPr algn="just"/>
+            <a:r>
+              <a:rPr lang="en-US" sz="2400" dirty="0"/>
+              <a:t>The selection of the optimal ‘k’ value depends on the specific dataset and the characteristics of the problem, and it can significantly impact the performance of the algorithm.</a:t>
+            </a:r>
+          </a:p>
+          <a:p>
+            <a:pPr algn="just"/>
+            <a:r>
+              <a:rPr lang="en-US" sz="2400" dirty="0"/>
+              <a:t>Considerations</a:t>
+            </a:r>
+          </a:p>
+          <a:p>
+            <a:pPr lvl="1" algn="just"/>
+            <a:r>
+              <a:rPr lang="en-US" sz="2200" dirty="0"/>
+              <a:t>Odd value of ‘k’ more suitable.</a:t>
+            </a:r>
+          </a:p>
+          <a:p>
+            <a:pPr lvl="1" algn="just"/>
+            <a:r>
+              <a:rPr lang="en-US" sz="2200" dirty="0"/>
+              <a:t>Smaller value of ‘k’ can be noisy, while larger can have bias and is more computationally expensive.</a:t>
+            </a:r>
+          </a:p>
+          <a:p>
+            <a:pPr lvl="1" algn="just"/>
+            <a:r>
+              <a:rPr lang="en-US" sz="2200" dirty="0"/>
+              <a:t>Cross validation</a:t>
+            </a:r>
+          </a:p>
+          <a:p>
+            <a:pPr lvl="1" algn="just"/>
+            <a:r>
+              <a:rPr lang="en-US" sz="2200" dirty="0"/>
+              <a:t>K = sqrt(N), where N = no. of samples in the dataset.</a:t>
+            </a:r>
+          </a:p>
+          <a:p>
+            <a:pPr algn="just"/>
+            <a:endParaRPr lang="en-IN" sz="2400" dirty="0"/>
+          </a:p>
+        </p:txBody>
+      </p:sp>
+    </p:spTree>
+    <p:extLst>
+      <p:ext uri="{BB962C8B-B14F-4D97-AF65-F5344CB8AC3E}">
+        <p14:creationId xmlns:p14="http://schemas.microsoft.com/office/powerpoint/2010/main" val="639546499"/>
+      </p:ext>
+    </p:extLst>
+  </p:cSld>
+  <p:clrMapOvr>
+    <a:masterClrMapping/>
+  </p:clrMapOvr>
+</p:sld>
+</file>
+
 <file path=ppt/slides/slide3.xml><?xml version="1.0" encoding="utf-8"?>
 <p:sld xmlns:a="http://schemas.openxmlformats.org/drawingml/2006/main" xmlns:r="http://schemas.openxmlformats.org/officeDocument/2006/relationships" xmlns:p="http://schemas.openxmlformats.org/presentationml/2006/main">
   <p:cSld>
@@ -19557,6 +20642,370 @@
         </p:spPr>
       </p:pic>
     </p:spTree>
+  </p:cSld>
+  <p:clrMapOvr>
+    <a:masterClrMapping/>
+  </p:clrMapOvr>
+</p:sld>
+</file>
+
+<file path=ppt/slides/slide30.xml><?xml version="1.0" encoding="utf-8"?>
+<p:sld xmlns:a="http://schemas.openxmlformats.org/drawingml/2006/main" xmlns:r="http://schemas.openxmlformats.org/officeDocument/2006/relationships" xmlns:p="http://schemas.openxmlformats.org/presentationml/2006/main">
+  <p:cSld>
+    <p:spTree>
+      <p:nvGrpSpPr>
+        <p:cNvPr id="1" name=""/>
+        <p:cNvGrpSpPr/>
+        <p:nvPr/>
+      </p:nvGrpSpPr>
+      <p:grpSpPr>
+        <a:xfrm>
+          <a:off x="0" y="0"/>
+          <a:ext cx="0" cy="0"/>
+          <a:chOff x="0" y="0"/>
+          <a:chExt cx="0" cy="0"/>
+        </a:xfrm>
+      </p:grpSpPr>
+      <p:sp>
+        <p:nvSpPr>
+          <p:cNvPr id="2" name="Title 1">
+            <a:extLst>
+              <a:ext uri="{FF2B5EF4-FFF2-40B4-BE49-F238E27FC236}">
+                <a16:creationId xmlns:a16="http://schemas.microsoft.com/office/drawing/2014/main" id="{4D44595A-FB62-32DD-2C63-E3D3E73BABFD}"/>
+              </a:ext>
+            </a:extLst>
+          </p:cNvPr>
+          <p:cNvSpPr>
+            <a:spLocks noGrp="1"/>
+          </p:cNvSpPr>
+          <p:nvPr>
+            <p:ph type="title"/>
+          </p:nvPr>
+        </p:nvSpPr>
+        <p:spPr/>
+        <p:txBody>
+          <a:bodyPr>
+            <a:normAutofit/>
+          </a:bodyPr>
+          <a:lstStyle/>
+          <a:p>
+            <a:r>
+              <a:rPr lang="en-US" sz="3600" dirty="0"/>
+              <a:t>Example: Determine the ‘Default’ status for Andrew.</a:t>
+            </a:r>
+            <a:endParaRPr lang="en-IN" sz="3600" dirty="0"/>
+          </a:p>
+        </p:txBody>
+      </p:sp>
+      <p:pic>
+        <p:nvPicPr>
+          <p:cNvPr id="5" name="Content Placeholder 4" descr="A table with numbers and a line&#10;&#10;Description automatically generated">
+            <a:extLst>
+              <a:ext uri="{FF2B5EF4-FFF2-40B4-BE49-F238E27FC236}">
+                <a16:creationId xmlns:a16="http://schemas.microsoft.com/office/drawing/2014/main" id="{476A5D65-571E-6094-B91F-BC083267EC17}"/>
+              </a:ext>
+            </a:extLst>
+          </p:cNvPr>
+          <p:cNvPicPr>
+            <a:picLocks noGrp="1" noChangeAspect="1"/>
+          </p:cNvPicPr>
+          <p:nvPr>
+            <p:ph idx="1"/>
+          </p:nvPr>
+        </p:nvPicPr>
+        <p:blipFill rotWithShape="1">
+          <a:blip r:embed="rId2">
+            <a:extLst>
+              <a:ext uri="{28A0092B-C50C-407E-A947-70E740481C1C}">
+                <a14:useLocalDpi xmlns:a14="http://schemas.microsoft.com/office/drawing/2010/main" val="0"/>
+              </a:ext>
+            </a:extLst>
+          </a:blip>
+          <a:srcRect r="43251" b="1006"/>
+          <a:stretch/>
+        </p:blipFill>
+        <p:spPr>
+          <a:xfrm>
+            <a:off x="708660" y="1599088"/>
+            <a:ext cx="4236908" cy="3392011"/>
+          </a:xfrm>
+        </p:spPr>
+      </p:pic>
+      <p:sp>
+        <p:nvSpPr>
+          <p:cNvPr id="6" name="TextBox 5">
+            <a:extLst>
+              <a:ext uri="{FF2B5EF4-FFF2-40B4-BE49-F238E27FC236}">
+                <a16:creationId xmlns:a16="http://schemas.microsoft.com/office/drawing/2014/main" id="{3E8C2827-7031-6728-F43D-CFB58E36480D}"/>
+              </a:ext>
+            </a:extLst>
+          </p:cNvPr>
+          <p:cNvSpPr txBox="1"/>
+          <p:nvPr/>
+        </p:nvSpPr>
+        <p:spPr>
+          <a:xfrm>
+            <a:off x="1985198" y="4963635"/>
+            <a:ext cx="1386652" cy="369332"/>
+          </a:xfrm>
+          <a:prstGeom prst="rect">
+            <a:avLst/>
+          </a:prstGeom>
+          <a:noFill/>
+        </p:spPr>
+        <p:txBody>
+          <a:bodyPr wrap="square" rtlCol="0">
+            <a:spAutoFit/>
+          </a:bodyPr>
+          <a:lstStyle/>
+          <a:p>
+            <a:r>
+              <a:rPr lang="en-US" dirty="0"/>
+              <a:t>Training data</a:t>
+            </a:r>
+            <a:endParaRPr lang="en-IN" dirty="0"/>
+          </a:p>
+        </p:txBody>
+      </p:sp>
+      <p:pic>
+        <p:nvPicPr>
+          <p:cNvPr id="8" name="Picture 7" descr="A table with numbers and letters&#10;&#10;Description automatically generated">
+            <a:extLst>
+              <a:ext uri="{FF2B5EF4-FFF2-40B4-BE49-F238E27FC236}">
+                <a16:creationId xmlns:a16="http://schemas.microsoft.com/office/drawing/2014/main" id="{F67F8973-04FC-8204-F9E3-A661BD1E12D0}"/>
+              </a:ext>
+            </a:extLst>
+          </p:cNvPr>
+          <p:cNvPicPr>
+            <a:picLocks noChangeAspect="1"/>
+          </p:cNvPicPr>
+          <p:nvPr/>
+        </p:nvPicPr>
+        <p:blipFill>
+          <a:blip r:embed="rId3">
+            <a:extLst>
+              <a:ext uri="{28A0092B-C50C-407E-A947-70E740481C1C}">
+                <a14:useLocalDpi xmlns:a14="http://schemas.microsoft.com/office/drawing/2010/main" val="0"/>
+              </a:ext>
+            </a:extLst>
+          </a:blip>
+          <a:stretch>
+            <a:fillRect/>
+          </a:stretch>
+        </p:blipFill>
+        <p:spPr>
+          <a:xfrm>
+            <a:off x="6412323" y="1747837"/>
+            <a:ext cx="4665385" cy="3243261"/>
+          </a:xfrm>
+          <a:prstGeom prst="rect">
+            <a:avLst/>
+          </a:prstGeom>
+        </p:spPr>
+      </p:pic>
+      <p:sp>
+        <p:nvSpPr>
+          <p:cNvPr id="9" name="TextBox 8">
+            <a:extLst>
+              <a:ext uri="{FF2B5EF4-FFF2-40B4-BE49-F238E27FC236}">
+                <a16:creationId xmlns:a16="http://schemas.microsoft.com/office/drawing/2014/main" id="{9BF53574-51EE-2E0F-A5A8-33D6B2F24A69}"/>
+              </a:ext>
+            </a:extLst>
+          </p:cNvPr>
+          <p:cNvSpPr txBox="1"/>
+          <p:nvPr/>
+        </p:nvSpPr>
+        <p:spPr>
+          <a:xfrm>
+            <a:off x="6468473" y="4991098"/>
+            <a:ext cx="4553083" cy="369332"/>
+          </a:xfrm>
+          <a:prstGeom prst="rect">
+            <a:avLst/>
+          </a:prstGeom>
+          <a:noFill/>
+        </p:spPr>
+        <p:txBody>
+          <a:bodyPr wrap="square" rtlCol="0">
+            <a:spAutoFit/>
+          </a:bodyPr>
+          <a:lstStyle/>
+          <a:p>
+            <a:r>
+              <a:rPr lang="en-US" dirty="0"/>
+              <a:t>Step 1: Calculate the distance to all data points</a:t>
+            </a:r>
+            <a:endParaRPr lang="en-IN" dirty="0"/>
+          </a:p>
+        </p:txBody>
+      </p:sp>
+    </p:spTree>
+    <p:extLst>
+      <p:ext uri="{BB962C8B-B14F-4D97-AF65-F5344CB8AC3E}">
+        <p14:creationId xmlns:p14="http://schemas.microsoft.com/office/powerpoint/2010/main" val="3155197300"/>
+      </p:ext>
+    </p:extLst>
+  </p:cSld>
+  <p:clrMapOvr>
+    <a:masterClrMapping/>
+  </p:clrMapOvr>
+</p:sld>
+</file>
+
+<file path=ppt/slides/slide31.xml><?xml version="1.0" encoding="utf-8"?>
+<p:sld xmlns:a="http://schemas.openxmlformats.org/drawingml/2006/main" xmlns:r="http://schemas.openxmlformats.org/officeDocument/2006/relationships" xmlns:p="http://schemas.openxmlformats.org/presentationml/2006/main">
+  <p:cSld>
+    <p:spTree>
+      <p:nvGrpSpPr>
+        <p:cNvPr id="1" name=""/>
+        <p:cNvGrpSpPr/>
+        <p:nvPr/>
+      </p:nvGrpSpPr>
+      <p:grpSpPr>
+        <a:xfrm>
+          <a:off x="0" y="0"/>
+          <a:ext cx="0" cy="0"/>
+          <a:chOff x="0" y="0"/>
+          <a:chExt cx="0" cy="0"/>
+        </a:xfrm>
+      </p:grpSpPr>
+      <p:sp>
+        <p:nvSpPr>
+          <p:cNvPr id="2" name="Title 1">
+            <a:extLst>
+              <a:ext uri="{FF2B5EF4-FFF2-40B4-BE49-F238E27FC236}">
+                <a16:creationId xmlns:a16="http://schemas.microsoft.com/office/drawing/2014/main" id="{4D44595A-FB62-32DD-2C63-E3D3E73BABFD}"/>
+              </a:ext>
+            </a:extLst>
+          </p:cNvPr>
+          <p:cNvSpPr>
+            <a:spLocks noGrp="1"/>
+          </p:cNvSpPr>
+          <p:nvPr>
+            <p:ph type="title"/>
+          </p:nvPr>
+        </p:nvSpPr>
+        <p:spPr/>
+        <p:txBody>
+          <a:bodyPr>
+            <a:normAutofit/>
+          </a:bodyPr>
+          <a:lstStyle/>
+          <a:p>
+            <a:r>
+              <a:rPr lang="en-US" sz="3600" dirty="0"/>
+              <a:t>Example: Determine the ‘Default’ status for Andrew.</a:t>
+            </a:r>
+            <a:endParaRPr lang="en-IN" sz="3600" dirty="0"/>
+          </a:p>
+        </p:txBody>
+      </p:sp>
+      <p:sp>
+        <p:nvSpPr>
+          <p:cNvPr id="9" name="TextBox 8">
+            <a:extLst>
+              <a:ext uri="{FF2B5EF4-FFF2-40B4-BE49-F238E27FC236}">
+                <a16:creationId xmlns:a16="http://schemas.microsoft.com/office/drawing/2014/main" id="{9BF53574-51EE-2E0F-A5A8-33D6B2F24A69}"/>
+              </a:ext>
+            </a:extLst>
+          </p:cNvPr>
+          <p:cNvSpPr txBox="1"/>
+          <p:nvPr/>
+        </p:nvSpPr>
+        <p:spPr>
+          <a:xfrm>
+            <a:off x="7479890" y="2026536"/>
+            <a:ext cx="4553083" cy="1754326"/>
+          </a:xfrm>
+          <a:prstGeom prst="rect">
+            <a:avLst/>
+          </a:prstGeom>
+          <a:noFill/>
+        </p:spPr>
+        <p:txBody>
+          <a:bodyPr wrap="square" rtlCol="0">
+            <a:spAutoFit/>
+          </a:bodyPr>
+          <a:lstStyle/>
+          <a:p>
+            <a:r>
+              <a:rPr lang="en-US" dirty="0"/>
+              <a:t>Step 2: Assume k = 5</a:t>
+            </a:r>
+          </a:p>
+          <a:p>
+            <a:r>
+              <a:rPr lang="en-US" dirty="0"/>
+              <a:t>Step 3: Find five minimum distance values.</a:t>
+            </a:r>
+          </a:p>
+          <a:p>
+            <a:endParaRPr lang="en-IN" dirty="0"/>
+          </a:p>
+          <a:p>
+            <a:r>
+              <a:rPr lang="en-IN" dirty="0"/>
+              <a:t>Out of 5 chosen records there are three </a:t>
+            </a:r>
+            <a:r>
+              <a:rPr lang="en-IN" dirty="0" err="1"/>
+              <a:t>Ys</a:t>
+            </a:r>
+            <a:r>
+              <a:rPr lang="en-IN" dirty="0"/>
+              <a:t> and two Ns.</a:t>
+            </a:r>
+          </a:p>
+          <a:p>
+            <a:r>
+              <a:rPr lang="en-IN" dirty="0"/>
+              <a:t>Andrew’s default status is taken as Y.</a:t>
+            </a:r>
+            <a:endParaRPr lang="en-US" dirty="0"/>
+          </a:p>
+        </p:txBody>
+      </p:sp>
+      <p:pic>
+        <p:nvPicPr>
+          <p:cNvPr id="10" name="Content Placeholder 9" descr="A table with numbers and a few people&#10;&#10;Description automatically generated with medium confidence">
+            <a:extLst>
+              <a:ext uri="{FF2B5EF4-FFF2-40B4-BE49-F238E27FC236}">
+                <a16:creationId xmlns:a16="http://schemas.microsoft.com/office/drawing/2014/main" id="{750DED6B-E502-877C-49A1-64E27BFB004D}"/>
+              </a:ext>
+            </a:extLst>
+          </p:cNvPr>
+          <p:cNvPicPr>
+            <a:picLocks noGrp="1" noChangeAspect="1"/>
+          </p:cNvPicPr>
+          <p:nvPr>
+            <p:ph idx="1"/>
+          </p:nvPr>
+        </p:nvPicPr>
+        <p:blipFill>
+          <a:blip r:embed="rId2">
+            <a:extLst>
+              <a:ext uri="{28A0092B-C50C-407E-A947-70E740481C1C}">
+                <a14:useLocalDpi xmlns:a14="http://schemas.microsoft.com/office/drawing/2010/main" val="0"/>
+              </a:ext>
+            </a:extLst>
+          </a:blip>
+          <a:stretch>
+            <a:fillRect/>
+          </a:stretch>
+        </p:blipFill>
+        <p:spPr>
+          <a:xfrm>
+            <a:off x="1023415" y="1628538"/>
+            <a:ext cx="6271260" cy="3901440"/>
+          </a:xfrm>
+        </p:spPr>
+      </p:pic>
+    </p:spTree>
+    <p:extLst>
+      <p:ext uri="{BB962C8B-B14F-4D97-AF65-F5344CB8AC3E}">
+        <p14:creationId xmlns:p14="http://schemas.microsoft.com/office/powerpoint/2010/main" val="1237579630"/>
+      </p:ext>
+    </p:extLst>
   </p:cSld>
   <p:clrMapOvr>
     <a:masterClrMapping/>
